--- a/GitFromTheHell.pptx
+++ b/GitFromTheHell.pptx
@@ -12157,16 +12157,55 @@
           <a:bodyPr/>
           <a:lstStyle/>
           <a:p>
-            <a:endParaRPr lang="ko-KR" altLang="en-US"/>
+            <a:r>
+              <a:rPr lang="en-US" altLang="ko-KR" dirty="0"/>
+              <a:t>Git remote add origin [</a:t>
+            </a:r>
+            <a:r>
+              <a:rPr lang="ko-KR" altLang="en-US" dirty="0"/>
+              <a:t>저장소 주소</a:t>
+            </a:r>
+            <a:r>
+              <a:rPr lang="en-US" altLang="ko-KR" dirty="0"/>
+              <a:t>]</a:t>
+            </a:r>
+          </a:p>
+          <a:p>
+            <a:pPr lvl="1"/>
+            <a:r>
+              <a:rPr lang="ko-KR" altLang="en-US" dirty="0"/>
+              <a:t>여기서 </a:t>
+            </a:r>
+            <a:r>
+              <a:rPr lang="en-US" altLang="ko-KR" dirty="0"/>
+              <a:t>origin</a:t>
+            </a:r>
+            <a:r>
+              <a:rPr lang="ko-KR" altLang="en-US" dirty="0"/>
+              <a:t>은 </a:t>
+            </a:r>
+            <a:r>
+              <a:rPr lang="ko-KR" altLang="en-US" dirty="0" err="1"/>
+              <a:t>리모트</a:t>
+            </a:r>
+            <a:r>
+              <a:rPr lang="ko-KR" altLang="en-US" dirty="0"/>
+              <a:t> 저장소 이름이다</a:t>
+            </a:r>
+            <a:r>
+              <a:rPr lang="en-US" altLang="ko-KR" dirty="0"/>
+              <a:t>!</a:t>
+            </a:r>
+            <a:endParaRPr lang="ko-KR" altLang="en-US" dirty="0"/>
           </a:p>
         </p:txBody>
       </p:sp>
       <p:pic>
         <p:nvPicPr>
-          <p:cNvPr id="4" name="그림 3">
-            <a:extLst>
-              <a:ext uri="{FF2B5EF4-FFF2-40B4-BE49-F238E27FC236}">
-                <a16:creationId xmlns:a16="http://schemas.microsoft.com/office/drawing/2014/main" id="{CD3814D6-EC84-471F-873D-8EDCC7ED6BC8}"/>
+          <p:cNvPr id="5" name="그림 4">
+            <a:extLst>
+              <a:ext uri="{FF2B5EF4-FFF2-40B4-BE49-F238E27FC236}">
+                <a16:creationId xmlns:a16="http://schemas.microsoft.com/office/drawing/2014/main" id="{459FC58F-476A-417B-86BB-70777E9CAEA0}"/>
               </a:ext>
             </a:extLst>
           </p:cNvPr>
@@ -12183,8 +12222,8 @@
         </p:blipFill>
         <p:spPr>
           <a:xfrm>
-            <a:off x="85725" y="2990850"/>
-            <a:ext cx="12020550" cy="876300"/>
+            <a:off x="838200" y="3027844"/>
+            <a:ext cx="12192000" cy="802312"/>
           </a:xfrm>
           <a:prstGeom prst="rect">
             <a:avLst/>
@@ -12271,10 +12310,67 @@
           <a:bodyPr/>
           <a:lstStyle/>
           <a:p>
-            <a:endParaRPr lang="ko-KR" altLang="en-US"/>
-          </a:p>
-        </p:txBody>
-      </p:sp>
+            <a:r>
+              <a:rPr lang="en-US" altLang="ko-KR" dirty="0"/>
+              <a:t>Git push origin master</a:t>
+            </a:r>
+          </a:p>
+          <a:p>
+            <a:pPr lvl="1"/>
+            <a:r>
+              <a:rPr lang="ko-KR" altLang="en-US" dirty="0" err="1"/>
+              <a:t>리모트</a:t>
+            </a:r>
+            <a:r>
+              <a:rPr lang="ko-KR" altLang="en-US" dirty="0"/>
+              <a:t> 저장소에 </a:t>
+            </a:r>
+            <a:r>
+              <a:rPr lang="en-US" altLang="ko-KR" dirty="0"/>
+              <a:t>master branch</a:t>
+            </a:r>
+            <a:r>
+              <a:rPr lang="ko-KR" altLang="en-US" dirty="0"/>
+              <a:t>를 </a:t>
+            </a:r>
+            <a:r>
+              <a:rPr lang="en-US" altLang="ko-KR" dirty="0"/>
+              <a:t>push</a:t>
+            </a:r>
+            <a:endParaRPr lang="ko-KR" altLang="en-US" dirty="0"/>
+          </a:p>
+        </p:txBody>
+      </p:sp>
+      <p:pic>
+        <p:nvPicPr>
+          <p:cNvPr id="4" name="그림 3">
+            <a:extLst>
+              <a:ext uri="{FF2B5EF4-FFF2-40B4-BE49-F238E27FC236}">
+                <a16:creationId xmlns:a16="http://schemas.microsoft.com/office/drawing/2014/main" id="{41155475-068B-4AF4-A570-B06FE68E6D55}"/>
+              </a:ext>
+            </a:extLst>
+          </p:cNvPr>
+          <p:cNvPicPr>
+            <a:picLocks noChangeAspect="1"/>
+          </p:cNvPicPr>
+          <p:nvPr/>
+        </p:nvPicPr>
+        <p:blipFill>
+          <a:blip r:embed="rId2"/>
+          <a:stretch>
+            <a:fillRect/>
+          </a:stretch>
+        </p:blipFill>
+        <p:spPr>
+          <a:xfrm>
+            <a:off x="838200" y="3241928"/>
+            <a:ext cx="10535417" cy="2244472"/>
+          </a:xfrm>
+          <a:prstGeom prst="rect">
+            <a:avLst/>
+          </a:prstGeom>
+        </p:spPr>
+      </p:pic>
     </p:spTree>
     <p:extLst>
       <p:ext uri="{BB962C8B-B14F-4D97-AF65-F5344CB8AC3E}">
@@ -12356,6 +12452,20 @@
           <a:lstStyle/>
           <a:p>
             <a:r>
+              <a:rPr lang="en-US" altLang="ko-KR" dirty="0"/>
+              <a:t>Clone [</a:t>
+            </a:r>
+            <a:r>
+              <a:rPr lang="ko-KR" altLang="en-US" dirty="0"/>
+              <a:t>저장소 주소</a:t>
+            </a:r>
+            <a:r>
+              <a:rPr lang="en-US" altLang="ko-KR" dirty="0"/>
+              <a:t>]</a:t>
+            </a:r>
+          </a:p>
+          <a:p>
+            <a:r>
               <a:rPr lang="ko-KR" altLang="en-US" dirty="0" err="1"/>
               <a:t>리모트</a:t>
             </a:r>
@@ -12368,12 +12478,46 @@
               <a:t>git </a:t>
             </a:r>
             <a:r>
-              <a:rPr lang="ko-KR" altLang="en-US"/>
+              <a:rPr lang="ko-KR" altLang="en-US" dirty="0"/>
               <a:t>저장소를 다운받는 것</a:t>
             </a:r>
-          </a:p>
-        </p:txBody>
-      </p:sp>
+            <a:endParaRPr lang="en-US" altLang="ko-KR" dirty="0"/>
+          </a:p>
+          <a:p>
+            <a:endParaRPr lang="ko-KR" altLang="en-US" dirty="0"/>
+          </a:p>
+        </p:txBody>
+      </p:sp>
+      <p:pic>
+        <p:nvPicPr>
+          <p:cNvPr id="4" name="그림 3">
+            <a:extLst>
+              <a:ext uri="{FF2B5EF4-FFF2-40B4-BE49-F238E27FC236}">
+                <a16:creationId xmlns:a16="http://schemas.microsoft.com/office/drawing/2014/main" id="{9FDADE52-6F36-4B93-B2B3-FF9B8B83BBF1}"/>
+              </a:ext>
+            </a:extLst>
+          </p:cNvPr>
+          <p:cNvPicPr>
+            <a:picLocks noChangeAspect="1"/>
+          </p:cNvPicPr>
+          <p:nvPr/>
+        </p:nvPicPr>
+        <p:blipFill>
+          <a:blip r:embed="rId2"/>
+          <a:stretch>
+            <a:fillRect/>
+          </a:stretch>
+        </p:blipFill>
+        <p:spPr>
+          <a:xfrm>
+            <a:off x="838200" y="2994212"/>
+            <a:ext cx="9515475" cy="2590800"/>
+          </a:xfrm>
+          <a:prstGeom prst="rect">
+            <a:avLst/>
+          </a:prstGeom>
+        </p:spPr>
+      </p:pic>
     </p:spTree>
     <p:extLst>
       <p:ext uri="{BB962C8B-B14F-4D97-AF65-F5344CB8AC3E}">
@@ -12812,10 +12956,90 @@
           <a:bodyPr/>
           <a:lstStyle/>
           <a:p>
+            <a:r>
+              <a:rPr lang="en-US" altLang="ko-KR" dirty="0"/>
+              <a:t>Pull origin</a:t>
+            </a:r>
+          </a:p>
+          <a:p>
+            <a:r>
+              <a:rPr lang="ko-KR" altLang="en-US" dirty="0" err="1"/>
+              <a:t>리모트</a:t>
+            </a:r>
+            <a:r>
+              <a:rPr lang="ko-KR" altLang="en-US" dirty="0"/>
+              <a:t> 저장소의 변경된 내용을 로컬</a:t>
+            </a:r>
+            <a:r>
+              <a:rPr lang="en-US" altLang="ko-KR" dirty="0"/>
+              <a:t>(</a:t>
+            </a:r>
+            <a:r>
+              <a:rPr lang="ko-KR" altLang="en-US" dirty="0"/>
+              <a:t>내 컴퓨터</a:t>
+            </a:r>
+            <a:r>
+              <a:rPr lang="en-US" altLang="ko-KR" dirty="0"/>
+              <a:t>) </a:t>
+            </a:r>
+            <a:r>
+              <a:rPr lang="ko-KR" altLang="en-US" dirty="0"/>
+              <a:t>저장소에 적용하는 작업이다</a:t>
+            </a:r>
+            <a:r>
+              <a:rPr lang="en-US" altLang="ko-KR" dirty="0"/>
+              <a:t>. </a:t>
+            </a:r>
+            <a:r>
+              <a:rPr lang="ko-KR" altLang="en-US" dirty="0"/>
+              <a:t>이때 </a:t>
+            </a:r>
+            <a:r>
+              <a:rPr lang="en-US" altLang="ko-KR" dirty="0"/>
+              <a:t>branch </a:t>
+            </a:r>
+            <a:r>
+              <a:rPr lang="ko-KR" altLang="en-US" dirty="0"/>
+              <a:t>병합과 같은 병합이 발생한다</a:t>
+            </a:r>
+            <a:r>
+              <a:rPr lang="en-US" altLang="ko-KR" dirty="0"/>
+              <a:t>.</a:t>
+            </a:r>
             <a:endParaRPr lang="ko-KR" altLang="en-US" dirty="0"/>
           </a:p>
         </p:txBody>
       </p:sp>
+      <p:pic>
+        <p:nvPicPr>
+          <p:cNvPr id="4" name="그림 3">
+            <a:extLst>
+              <a:ext uri="{FF2B5EF4-FFF2-40B4-BE49-F238E27FC236}">
+                <a16:creationId xmlns:a16="http://schemas.microsoft.com/office/drawing/2014/main" id="{71EBAA0F-C276-41FA-876C-D38C3950E52F}"/>
+              </a:ext>
+            </a:extLst>
+          </p:cNvPr>
+          <p:cNvPicPr>
+            <a:picLocks noChangeAspect="1"/>
+          </p:cNvPicPr>
+          <p:nvPr/>
+        </p:nvPicPr>
+        <p:blipFill>
+          <a:blip r:embed="rId2"/>
+          <a:stretch>
+            <a:fillRect/>
+          </a:stretch>
+        </p:blipFill>
+        <p:spPr>
+          <a:xfrm>
+            <a:off x="838200" y="3347939"/>
+            <a:ext cx="6064624" cy="2963961"/>
+          </a:xfrm>
+          <a:prstGeom prst="rect">
+            <a:avLst/>
+          </a:prstGeom>
+        </p:spPr>
+      </p:pic>
     </p:spTree>
     <p:extLst>
       <p:ext uri="{BB962C8B-B14F-4D97-AF65-F5344CB8AC3E}">
